--- a/angular2/slides/03_Routing.pptx
+++ b/angular2/slides/03_Routing.pptx
@@ -5,10 +5,10 @@
     <p:sldMasterId id="2147483772" r:id="rId1"/>
   </p:sldMasterIdLst>
   <p:notesMasterIdLst>
-    <p:notesMasterId r:id="rId14"/>
+    <p:notesMasterId r:id="rId15"/>
   </p:notesMasterIdLst>
   <p:handoutMasterIdLst>
-    <p:handoutMasterId r:id="rId15"/>
+    <p:handoutMasterId r:id="rId16"/>
   </p:handoutMasterIdLst>
   <p:sldIdLst>
     <p:sldId id="327" r:id="rId2"/>
@@ -23,6 +23,7 @@
     <p:sldId id="336" r:id="rId11"/>
     <p:sldId id="337" r:id="rId12"/>
     <p:sldId id="338" r:id="rId13"/>
+    <p:sldId id="339" r:id="rId14"/>
   </p:sldIdLst>
   <p:sldSz cx="9144000" cy="6858000" type="screen4x3"/>
   <p:notesSz cx="7302500" cy="9588500"/>
@@ -275,7 +276,7 @@
               <a:pPr>
                 <a:defRPr/>
               </a:pPr>
-              <a:t>12/19/2015</a:t>
+              <a:t>12/20/2015</a:t>
             </a:fld>
             <a:endParaRPr lang="en-US"/>
           </a:p>
@@ -2901,19 +2902,669 @@
             <p:ph type="body" idx="1"/>
           </p:nvPr>
         </p:nvSpPr>
+        <p:spPr>
+          <a:xfrm>
+            <a:off x="457200" y="1447800"/>
+            <a:ext cx="2743200" cy="4495800"/>
+          </a:xfrm>
+        </p:spPr>
+        <p:txBody>
+          <a:bodyPr/>
+          <a:lstStyle/>
+          <a:p>
+            <a:r>
+              <a:rPr lang="en-US" dirty="0" err="1" smtClean="0"/>
+              <a:t>CanActivate</a:t>
+            </a:r>
+            <a:r>
+              <a:rPr lang="en-US" dirty="0" smtClean="0"/>
+              <a:t> / </a:t>
+            </a:r>
+            <a:r>
+              <a:rPr lang="en-US" dirty="0" err="1" smtClean="0"/>
+              <a:t>OnActivate</a:t>
+            </a:r>
+            <a:endParaRPr lang="en-US" dirty="0" smtClean="0"/>
+          </a:p>
+          <a:p>
+            <a:r>
+              <a:rPr lang="en-US" dirty="0" err="1" smtClean="0"/>
+              <a:t>CanDeactivate</a:t>
+            </a:r>
+            <a:r>
+              <a:rPr lang="en-US" dirty="0" smtClean="0"/>
+              <a:t> / </a:t>
+            </a:r>
+            <a:r>
+              <a:rPr lang="en-US" dirty="0" err="1" smtClean="0"/>
+              <a:t>OnDeactivate</a:t>
+            </a:r>
+            <a:endParaRPr lang="en-US" dirty="0" smtClean="0"/>
+          </a:p>
+          <a:p>
+            <a:endParaRPr lang="en-US" dirty="0" smtClean="0"/>
+          </a:p>
+          <a:p>
+            <a:endParaRPr lang="en-US" dirty="0"/>
+          </a:p>
+        </p:txBody>
+      </p:sp>
+      <p:pic>
+        <p:nvPicPr>
+          <p:cNvPr id="4" name="Picture 3"/>
+          <p:cNvPicPr>
+            <a:picLocks noChangeAspect="1"/>
+          </p:cNvPicPr>
+          <p:nvPr/>
+        </p:nvPicPr>
+        <p:blipFill>
+          <a:blip r:embed="rId2"/>
+          <a:stretch>
+            <a:fillRect/>
+          </a:stretch>
+        </p:blipFill>
+        <p:spPr>
+          <a:xfrm>
+            <a:off x="3962400" y="1068572"/>
+            <a:ext cx="4550956" cy="5334000"/>
+          </a:xfrm>
+          <a:prstGeom prst="rect">
+            <a:avLst/>
+          </a:prstGeom>
+        </p:spPr>
+      </p:pic>
+    </p:spTree>
+    <p:extLst>
+      <p:ext uri="{BB962C8B-B14F-4D97-AF65-F5344CB8AC3E}">
+        <p14:creationId xmlns:p14="http://schemas.microsoft.com/office/powerpoint/2010/main" val="3879088983"/>
+      </p:ext>
+    </p:extLst>
+  </p:cSld>
+  <p:clrMapOvr>
+    <a:masterClrMapping/>
+  </p:clrMapOvr>
+  <p:transition>
+    <p:fade/>
+  </p:transition>
+</p:sld>
+</file>
+
+<file path=ppt/slides/slide13.xml><?xml version="1.0" encoding="utf-8"?>
+<p:sld xmlns:a="http://schemas.openxmlformats.org/drawingml/2006/main" xmlns:r="http://schemas.openxmlformats.org/officeDocument/2006/relationships" xmlns:p="http://schemas.openxmlformats.org/presentationml/2006/main">
+  <p:cSld>
+    <p:spTree>
+      <p:nvGrpSpPr>
+        <p:cNvPr id="1" name=""/>
+        <p:cNvGrpSpPr/>
+        <p:nvPr/>
+      </p:nvGrpSpPr>
+      <p:grpSpPr>
+        <a:xfrm>
+          <a:off x="0" y="0"/>
+          <a:ext cx="0" cy="0"/>
+          <a:chOff x="0" y="0"/>
+          <a:chExt cx="0" cy="0"/>
+        </a:xfrm>
+      </p:grpSpPr>
+      <p:sp>
+        <p:nvSpPr>
+          <p:cNvPr id="2" name="Title 1"/>
+          <p:cNvSpPr>
+            <a:spLocks noGrp="1"/>
+          </p:cNvSpPr>
+          <p:nvPr>
+            <p:ph type="title"/>
+          </p:nvPr>
+        </p:nvSpPr>
         <p:spPr/>
         <p:txBody>
           <a:bodyPr/>
           <a:lstStyle/>
           <a:p>
-            <a:endParaRPr lang="en-US"/>
+            <a:r>
+              <a:rPr lang="en-US" dirty="0" smtClean="0"/>
+              <a:t>Summary</a:t>
+            </a:r>
+            <a:endParaRPr lang="en-US" dirty="0"/>
           </a:p>
         </p:txBody>
       </p:sp>
+      <p:sp>
+        <p:nvSpPr>
+          <p:cNvPr id="3" name="Text Placeholder 2"/>
+          <p:cNvSpPr>
+            <a:spLocks noGrp="1"/>
+          </p:cNvSpPr>
+          <p:nvPr>
+            <p:ph type="body" idx="1"/>
+          </p:nvPr>
+        </p:nvSpPr>
+        <p:spPr/>
+        <p:txBody>
+          <a:bodyPr/>
+          <a:lstStyle/>
+          <a:p>
+            <a:r>
+              <a:rPr lang="en-US" dirty="0" smtClean="0"/>
+              <a:t>Routing builds big applications from small pieces</a:t>
+            </a:r>
+            <a:endParaRPr lang="en-US" dirty="0"/>
+          </a:p>
+        </p:txBody>
+      </p:sp>
+      <p:sp>
+        <p:nvSpPr>
+          <p:cNvPr id="4" name="Rectangle 3"/>
+          <p:cNvSpPr/>
+          <p:nvPr/>
+        </p:nvSpPr>
+        <p:spPr bwMode="auto">
+          <a:xfrm>
+            <a:off x="3429000" y="2193851"/>
+            <a:ext cx="2286000" cy="1143000"/>
+          </a:xfrm>
+          <a:prstGeom prst="rect">
+            <a:avLst/>
+          </a:prstGeom>
+          <a:ln>
+            <a:headEnd/>
+            <a:tailEnd/>
+          </a:ln>
+        </p:spPr>
+        <p:style>
+          <a:lnRef idx="2">
+            <a:schemeClr val="accent1">
+              <a:shade val="50000"/>
+            </a:schemeClr>
+          </a:lnRef>
+          <a:fillRef idx="1">
+            <a:schemeClr val="accent1"/>
+          </a:fillRef>
+          <a:effectRef idx="0">
+            <a:schemeClr val="accent1"/>
+          </a:effectRef>
+          <a:fontRef idx="minor">
+            <a:schemeClr val="lt1"/>
+          </a:fontRef>
+        </p:style>
+        <p:txBody>
+          <a:bodyPr wrap="none" rtlCol="0" anchor="ctr"/>
+          <a:lstStyle/>
+          <a:p>
+            <a:pPr algn="ctr"/>
+            <a:r>
+              <a:rPr lang="en-US" sz="2000" dirty="0" smtClean="0">
+                <a:latin typeface="Tekton Pro" pitchFamily="34" charset="0"/>
+              </a:rPr>
+              <a:t>App</a:t>
+            </a:r>
+            <a:endParaRPr lang="en-US" sz="2000" dirty="0">
+              <a:latin typeface="Tekton Pro" pitchFamily="34" charset="0"/>
+            </a:endParaRPr>
+          </a:p>
+        </p:txBody>
+      </p:sp>
+      <p:sp>
+        <p:nvSpPr>
+          <p:cNvPr id="5" name="Rectangle 4"/>
+          <p:cNvSpPr/>
+          <p:nvPr/>
+        </p:nvSpPr>
+        <p:spPr bwMode="auto">
+          <a:xfrm>
+            <a:off x="6019800" y="3673549"/>
+            <a:ext cx="2286000" cy="1143000"/>
+          </a:xfrm>
+          <a:prstGeom prst="rect">
+            <a:avLst/>
+          </a:prstGeom>
+          <a:ln>
+            <a:headEnd/>
+            <a:tailEnd/>
+          </a:ln>
+        </p:spPr>
+        <p:style>
+          <a:lnRef idx="2">
+            <a:schemeClr val="accent1">
+              <a:shade val="50000"/>
+            </a:schemeClr>
+          </a:lnRef>
+          <a:fillRef idx="1">
+            <a:schemeClr val="accent1"/>
+          </a:fillRef>
+          <a:effectRef idx="0">
+            <a:schemeClr val="accent1"/>
+          </a:effectRef>
+          <a:fontRef idx="minor">
+            <a:schemeClr val="lt1"/>
+          </a:fontRef>
+        </p:style>
+        <p:txBody>
+          <a:bodyPr wrap="none" rtlCol="0" anchor="ctr"/>
+          <a:lstStyle/>
+          <a:p>
+            <a:pPr algn="ctr"/>
+            <a:r>
+              <a:rPr lang="en-US" sz="2000" dirty="0" smtClean="0">
+                <a:latin typeface="Tekton Pro" pitchFamily="34" charset="0"/>
+              </a:rPr>
+              <a:t>Reports</a:t>
+            </a:r>
+            <a:endParaRPr lang="en-US" sz="2000" dirty="0">
+              <a:latin typeface="Tekton Pro" pitchFamily="34" charset="0"/>
+            </a:endParaRPr>
+          </a:p>
+        </p:txBody>
+      </p:sp>
+      <p:sp>
+        <p:nvSpPr>
+          <p:cNvPr id="6" name="Rectangle 5"/>
+          <p:cNvSpPr/>
+          <p:nvPr/>
+        </p:nvSpPr>
+        <p:spPr bwMode="auto">
+          <a:xfrm>
+            <a:off x="3429000" y="3673549"/>
+            <a:ext cx="2286000" cy="1143000"/>
+          </a:xfrm>
+          <a:prstGeom prst="rect">
+            <a:avLst/>
+          </a:prstGeom>
+          <a:ln>
+            <a:headEnd/>
+            <a:tailEnd/>
+          </a:ln>
+        </p:spPr>
+        <p:style>
+          <a:lnRef idx="2">
+            <a:schemeClr val="accent1">
+              <a:shade val="50000"/>
+            </a:schemeClr>
+          </a:lnRef>
+          <a:fillRef idx="1">
+            <a:schemeClr val="accent1"/>
+          </a:fillRef>
+          <a:effectRef idx="0">
+            <a:schemeClr val="accent1"/>
+          </a:effectRef>
+          <a:fontRef idx="minor">
+            <a:schemeClr val="lt1"/>
+          </a:fontRef>
+        </p:style>
+        <p:txBody>
+          <a:bodyPr wrap="none" rtlCol="0" anchor="ctr"/>
+          <a:lstStyle/>
+          <a:p>
+            <a:pPr algn="ctr"/>
+            <a:r>
+              <a:rPr lang="en-US" sz="2000" dirty="0" smtClean="0">
+                <a:latin typeface="Tekton Pro" pitchFamily="34" charset="0"/>
+              </a:rPr>
+              <a:t>Customers</a:t>
+            </a:r>
+            <a:endParaRPr lang="en-US" sz="2000" dirty="0">
+              <a:latin typeface="Tekton Pro" pitchFamily="34" charset="0"/>
+            </a:endParaRPr>
+          </a:p>
+        </p:txBody>
+      </p:sp>
+      <p:sp>
+        <p:nvSpPr>
+          <p:cNvPr id="7" name="Rectangle 6"/>
+          <p:cNvSpPr/>
+          <p:nvPr/>
+        </p:nvSpPr>
+        <p:spPr bwMode="auto">
+          <a:xfrm>
+            <a:off x="838200" y="3695700"/>
+            <a:ext cx="2286000" cy="1143000"/>
+          </a:xfrm>
+          <a:prstGeom prst="rect">
+            <a:avLst/>
+          </a:prstGeom>
+          <a:ln>
+            <a:headEnd/>
+            <a:tailEnd/>
+          </a:ln>
+        </p:spPr>
+        <p:style>
+          <a:lnRef idx="2">
+            <a:schemeClr val="accent1">
+              <a:shade val="50000"/>
+            </a:schemeClr>
+          </a:lnRef>
+          <a:fillRef idx="1">
+            <a:schemeClr val="accent1"/>
+          </a:fillRef>
+          <a:effectRef idx="0">
+            <a:schemeClr val="accent1"/>
+          </a:effectRef>
+          <a:fontRef idx="minor">
+            <a:schemeClr val="lt1"/>
+          </a:fontRef>
+        </p:style>
+        <p:txBody>
+          <a:bodyPr wrap="none" rtlCol="0" anchor="ctr"/>
+          <a:lstStyle/>
+          <a:p>
+            <a:pPr algn="ctr"/>
+            <a:r>
+              <a:rPr lang="en-US" sz="2000" dirty="0" smtClean="0">
+                <a:latin typeface="Tekton Pro" pitchFamily="34" charset="0"/>
+              </a:rPr>
+              <a:t>Orders</a:t>
+            </a:r>
+            <a:endParaRPr lang="en-US" sz="2000" dirty="0">
+              <a:latin typeface="Tekton Pro" pitchFamily="34" charset="0"/>
+            </a:endParaRPr>
+          </a:p>
+        </p:txBody>
+      </p:sp>
+      <p:sp>
+        <p:nvSpPr>
+          <p:cNvPr id="8" name="Rectangle 7"/>
+          <p:cNvSpPr/>
+          <p:nvPr/>
+        </p:nvSpPr>
+        <p:spPr bwMode="auto">
+          <a:xfrm>
+            <a:off x="4800600" y="5181600"/>
+            <a:ext cx="2286000" cy="1143000"/>
+          </a:xfrm>
+          <a:prstGeom prst="rect">
+            <a:avLst/>
+          </a:prstGeom>
+          <a:ln>
+            <a:headEnd/>
+            <a:tailEnd/>
+          </a:ln>
+        </p:spPr>
+        <p:style>
+          <a:lnRef idx="2">
+            <a:schemeClr val="accent1">
+              <a:shade val="50000"/>
+            </a:schemeClr>
+          </a:lnRef>
+          <a:fillRef idx="1">
+            <a:schemeClr val="accent1"/>
+          </a:fillRef>
+          <a:effectRef idx="0">
+            <a:schemeClr val="accent1"/>
+          </a:effectRef>
+          <a:fontRef idx="minor">
+            <a:schemeClr val="lt1"/>
+          </a:fontRef>
+        </p:style>
+        <p:txBody>
+          <a:bodyPr wrap="none" rtlCol="0" anchor="ctr"/>
+          <a:lstStyle/>
+          <a:p>
+            <a:pPr algn="ctr"/>
+            <a:r>
+              <a:rPr lang="en-US" sz="2000" dirty="0" err="1" smtClean="0">
+                <a:latin typeface="Tekton Pro" pitchFamily="34" charset="0"/>
+              </a:rPr>
+              <a:t>CustomerDetail</a:t>
+            </a:r>
+            <a:endParaRPr lang="en-US" sz="2000" dirty="0">
+              <a:latin typeface="Tekton Pro" pitchFamily="34" charset="0"/>
+            </a:endParaRPr>
+          </a:p>
+        </p:txBody>
+      </p:sp>
+      <p:sp>
+        <p:nvSpPr>
+          <p:cNvPr id="9" name="Rectangle 8"/>
+          <p:cNvSpPr/>
+          <p:nvPr/>
+        </p:nvSpPr>
+        <p:spPr bwMode="auto">
+          <a:xfrm>
+            <a:off x="2133600" y="5181600"/>
+            <a:ext cx="2286000" cy="1143000"/>
+          </a:xfrm>
+          <a:prstGeom prst="rect">
+            <a:avLst/>
+          </a:prstGeom>
+          <a:ln>
+            <a:headEnd/>
+            <a:tailEnd/>
+          </a:ln>
+        </p:spPr>
+        <p:style>
+          <a:lnRef idx="2">
+            <a:schemeClr val="accent1">
+              <a:shade val="50000"/>
+            </a:schemeClr>
+          </a:lnRef>
+          <a:fillRef idx="1">
+            <a:schemeClr val="accent1"/>
+          </a:fillRef>
+          <a:effectRef idx="0">
+            <a:schemeClr val="accent1"/>
+          </a:effectRef>
+          <a:fontRef idx="minor">
+            <a:schemeClr val="lt1"/>
+          </a:fontRef>
+        </p:style>
+        <p:txBody>
+          <a:bodyPr wrap="none" rtlCol="0" anchor="ctr"/>
+          <a:lstStyle/>
+          <a:p>
+            <a:pPr algn="ctr"/>
+            <a:r>
+              <a:rPr lang="en-US" sz="2000" dirty="0" err="1" smtClean="0">
+                <a:latin typeface="Tekton Pro" pitchFamily="34" charset="0"/>
+              </a:rPr>
+              <a:t>CustomerEdit</a:t>
+            </a:r>
+            <a:endParaRPr lang="en-US" sz="2000" dirty="0">
+              <a:latin typeface="Tekton Pro" pitchFamily="34" charset="0"/>
+            </a:endParaRPr>
+          </a:p>
+        </p:txBody>
+      </p:sp>
+      <p:cxnSp>
+        <p:nvCxnSpPr>
+          <p:cNvPr id="17" name="Straight Arrow Connector 16"/>
+          <p:cNvCxnSpPr>
+            <a:stCxn id="4" idx="2"/>
+            <a:endCxn id="6" idx="0"/>
+          </p:cNvCxnSpPr>
+          <p:nvPr/>
+        </p:nvCxnSpPr>
+        <p:spPr bwMode="auto">
+          <a:xfrm>
+            <a:off x="4572000" y="3336851"/>
+            <a:ext cx="0" cy="336698"/>
+          </a:xfrm>
+          <a:prstGeom prst="straightConnector1">
+            <a:avLst/>
+          </a:prstGeom>
+          <a:ln>
+            <a:headEnd type="none" w="med" len="med"/>
+            <a:tailEnd type="triangle"/>
+          </a:ln>
+        </p:spPr>
+        <p:style>
+          <a:lnRef idx="1">
+            <a:schemeClr val="dk1"/>
+          </a:lnRef>
+          <a:fillRef idx="0">
+            <a:schemeClr val="dk1"/>
+          </a:fillRef>
+          <a:effectRef idx="0">
+            <a:schemeClr val="dk1"/>
+          </a:effectRef>
+          <a:fontRef idx="minor">
+            <a:schemeClr val="tx1"/>
+          </a:fontRef>
+        </p:style>
+      </p:cxnSp>
+      <p:cxnSp>
+        <p:nvCxnSpPr>
+          <p:cNvPr id="19" name="Straight Arrow Connector 18"/>
+          <p:cNvCxnSpPr>
+            <a:stCxn id="4" idx="2"/>
+            <a:endCxn id="7" idx="0"/>
+          </p:cNvCxnSpPr>
+          <p:nvPr/>
+        </p:nvCxnSpPr>
+        <p:spPr bwMode="auto">
+          <a:xfrm flipH="1">
+            <a:off x="1981200" y="3336851"/>
+            <a:ext cx="2590800" cy="358849"/>
+          </a:xfrm>
+          <a:prstGeom prst="straightConnector1">
+            <a:avLst/>
+          </a:prstGeom>
+          <a:gradFill rotWithShape="1">
+            <a:gsLst>
+              <a:gs pos="0">
+                <a:srgbClr val="A4D289"/>
+              </a:gs>
+              <a:gs pos="100000">
+                <a:schemeClr val="bg1"/>
+              </a:gs>
+            </a:gsLst>
+            <a:lin ang="5400000" scaled="1"/>
+          </a:gradFill>
+          <a:ln w="9525" cap="flat" cmpd="sng" algn="ctr">
+            <a:solidFill>
+              <a:schemeClr val="tx1"/>
+            </a:solidFill>
+            <a:prstDash val="solid"/>
+            <a:round/>
+            <a:headEnd type="none" w="med" len="med"/>
+            <a:tailEnd type="triangle"/>
+          </a:ln>
+          <a:effectLst/>
+        </p:spPr>
+      </p:cxnSp>
+      <p:cxnSp>
+        <p:nvCxnSpPr>
+          <p:cNvPr id="21" name="Straight Arrow Connector 20"/>
+          <p:cNvCxnSpPr>
+            <a:stCxn id="4" idx="2"/>
+            <a:endCxn id="5" idx="0"/>
+          </p:cNvCxnSpPr>
+          <p:nvPr/>
+        </p:nvCxnSpPr>
+        <p:spPr bwMode="auto">
+          <a:xfrm>
+            <a:off x="4572000" y="3336851"/>
+            <a:ext cx="2590800" cy="336698"/>
+          </a:xfrm>
+          <a:prstGeom prst="straightConnector1">
+            <a:avLst/>
+          </a:prstGeom>
+          <a:gradFill rotWithShape="1">
+            <a:gsLst>
+              <a:gs pos="0">
+                <a:srgbClr val="A4D289"/>
+              </a:gs>
+              <a:gs pos="100000">
+                <a:schemeClr val="bg1"/>
+              </a:gs>
+            </a:gsLst>
+            <a:lin ang="5400000" scaled="1"/>
+          </a:gradFill>
+          <a:ln w="9525" cap="flat" cmpd="sng" algn="ctr">
+            <a:solidFill>
+              <a:schemeClr val="tx1"/>
+            </a:solidFill>
+            <a:prstDash val="solid"/>
+            <a:round/>
+            <a:headEnd type="none" w="med" len="med"/>
+            <a:tailEnd type="triangle"/>
+          </a:ln>
+          <a:effectLst/>
+        </p:spPr>
+      </p:cxnSp>
+      <p:cxnSp>
+        <p:nvCxnSpPr>
+          <p:cNvPr id="23" name="Straight Arrow Connector 22"/>
+          <p:cNvCxnSpPr>
+            <a:stCxn id="6" idx="2"/>
+            <a:endCxn id="9" idx="0"/>
+          </p:cNvCxnSpPr>
+          <p:nvPr/>
+        </p:nvCxnSpPr>
+        <p:spPr bwMode="auto">
+          <a:xfrm flipH="1">
+            <a:off x="3276600" y="4816549"/>
+            <a:ext cx="1295400" cy="365051"/>
+          </a:xfrm>
+          <a:prstGeom prst="straightConnector1">
+            <a:avLst/>
+          </a:prstGeom>
+          <a:gradFill rotWithShape="1">
+            <a:gsLst>
+              <a:gs pos="0">
+                <a:srgbClr val="A4D289"/>
+              </a:gs>
+              <a:gs pos="100000">
+                <a:schemeClr val="bg1"/>
+              </a:gs>
+            </a:gsLst>
+            <a:lin ang="5400000" scaled="1"/>
+          </a:gradFill>
+          <a:ln w="9525" cap="flat" cmpd="sng" algn="ctr">
+            <a:solidFill>
+              <a:schemeClr val="tx1"/>
+            </a:solidFill>
+            <a:prstDash val="solid"/>
+            <a:round/>
+            <a:headEnd type="none" w="med" len="med"/>
+            <a:tailEnd type="triangle"/>
+          </a:ln>
+          <a:effectLst/>
+        </p:spPr>
+      </p:cxnSp>
+      <p:cxnSp>
+        <p:nvCxnSpPr>
+          <p:cNvPr id="25" name="Straight Arrow Connector 24"/>
+          <p:cNvCxnSpPr>
+            <a:stCxn id="6" idx="2"/>
+            <a:endCxn id="8" idx="0"/>
+          </p:cNvCxnSpPr>
+          <p:nvPr/>
+        </p:nvCxnSpPr>
+        <p:spPr bwMode="auto">
+          <a:xfrm>
+            <a:off x="4572000" y="4816549"/>
+            <a:ext cx="1371600" cy="365051"/>
+          </a:xfrm>
+          <a:prstGeom prst="straightConnector1">
+            <a:avLst/>
+          </a:prstGeom>
+          <a:gradFill rotWithShape="1">
+            <a:gsLst>
+              <a:gs pos="0">
+                <a:srgbClr val="A4D289"/>
+              </a:gs>
+              <a:gs pos="100000">
+                <a:schemeClr val="bg1"/>
+              </a:gs>
+            </a:gsLst>
+            <a:lin ang="5400000" scaled="1"/>
+          </a:gradFill>
+          <a:ln w="9525" cap="flat" cmpd="sng" algn="ctr">
+            <a:solidFill>
+              <a:schemeClr val="tx1"/>
+            </a:solidFill>
+            <a:prstDash val="solid"/>
+            <a:round/>
+            <a:headEnd type="none" w="med" len="med"/>
+            <a:tailEnd type="triangle"/>
+          </a:ln>
+          <a:effectLst/>
+        </p:spPr>
+      </p:cxnSp>
     </p:spTree>
     <p:extLst>
       <p:ext uri="{BB962C8B-B14F-4D97-AF65-F5344CB8AC3E}">
-        <p14:creationId xmlns:p14="http://schemas.microsoft.com/office/powerpoint/2010/main" val="3879088983"/>
+        <p14:creationId xmlns:p14="http://schemas.microsoft.com/office/powerpoint/2010/main" val="3539535654"/>
       </p:ext>
     </p:extLst>
   </p:cSld>

--- a/angular2/slides/03_Routing.pptx
+++ b/angular2/slides/03_Routing.pptx
@@ -5,25 +5,24 @@
     <p:sldMasterId id="2147483772" r:id="rId1"/>
   </p:sldMasterIdLst>
   <p:notesMasterIdLst>
-    <p:notesMasterId r:id="rId15"/>
+    <p:notesMasterId r:id="rId14"/>
   </p:notesMasterIdLst>
   <p:handoutMasterIdLst>
-    <p:handoutMasterId r:id="rId16"/>
+    <p:handoutMasterId r:id="rId15"/>
   </p:handoutMasterIdLst>
   <p:sldIdLst>
     <p:sldId id="327" r:id="rId2"/>
     <p:sldId id="328" r:id="rId3"/>
     <p:sldId id="329" r:id="rId4"/>
     <p:sldId id="330" r:id="rId5"/>
-    <p:sldId id="332" r:id="rId6"/>
-    <p:sldId id="331" r:id="rId7"/>
-    <p:sldId id="333" r:id="rId8"/>
-    <p:sldId id="334" r:id="rId9"/>
-    <p:sldId id="335" r:id="rId10"/>
-    <p:sldId id="336" r:id="rId11"/>
-    <p:sldId id="337" r:id="rId12"/>
-    <p:sldId id="338" r:id="rId13"/>
-    <p:sldId id="339" r:id="rId14"/>
+    <p:sldId id="331" r:id="rId6"/>
+    <p:sldId id="333" r:id="rId7"/>
+    <p:sldId id="334" r:id="rId8"/>
+    <p:sldId id="335" r:id="rId9"/>
+    <p:sldId id="336" r:id="rId10"/>
+    <p:sldId id="337" r:id="rId11"/>
+    <p:sldId id="338" r:id="rId12"/>
+    <p:sldId id="339" r:id="rId13"/>
   </p:sldIdLst>
   <p:sldSz cx="9144000" cy="6858000" type="screen4x3"/>
   <p:notesSz cx="7302500" cy="9588500"/>
@@ -276,7 +275,7 @@
               <a:pPr>
                 <a:defRPr/>
               </a:pPr>
-              <a:t>12/20/2015</a:t>
+              <a:t>7/26/2016</a:t>
             </a:fld>
             <a:endParaRPr lang="en-US"/>
           </a:p>
@@ -550,35 +549,35 @@
           <a:p>
             <a:pPr lvl="0"/>
             <a:r>
-              <a:rPr lang="en-US" noProof="0" smtClean="0"/>
+              <a:rPr lang="en-US" noProof="0"/>
               <a:t>Click to edit Master text styles</a:t>
             </a:r>
           </a:p>
           <a:p>
             <a:pPr lvl="1"/>
             <a:r>
-              <a:rPr lang="en-US" noProof="0" smtClean="0"/>
+              <a:rPr lang="en-US" noProof="0"/>
               <a:t>Second level</a:t>
             </a:r>
           </a:p>
           <a:p>
             <a:pPr lvl="2"/>
             <a:r>
-              <a:rPr lang="en-US" noProof="0" smtClean="0"/>
+              <a:rPr lang="en-US" noProof="0"/>
               <a:t>Third level</a:t>
             </a:r>
           </a:p>
           <a:p>
             <a:pPr lvl="3"/>
             <a:r>
-              <a:rPr lang="en-US" noProof="0" smtClean="0"/>
+              <a:rPr lang="en-US" noProof="0"/>
               <a:t>Fourth level</a:t>
             </a:r>
           </a:p>
           <a:p>
             <a:pPr lvl="4"/>
             <a:r>
-              <a:rPr lang="en-US" noProof="0" smtClean="0"/>
+              <a:rPr lang="en-US" noProof="0"/>
               <a:t>Fifth level</a:t>
             </a:r>
           </a:p>
@@ -859,7 +858,7 @@
               <a:pPr/>
               <a:t>1</a:t>
             </a:fld>
-            <a:endParaRPr lang="en-US" smtClean="0"/>
+            <a:endParaRPr lang="en-US"/>
           </a:p>
         </p:txBody>
       </p:sp>
@@ -900,7 +899,7 @@
           <a:lstStyle/>
           <a:p>
             <a:pPr eaLnBrk="1" hangingPunct="1"/>
-            <a:endParaRPr lang="en-US" smtClean="0"/>
+            <a:endParaRPr lang="en-US"/>
           </a:p>
         </p:txBody>
       </p:sp>
@@ -963,7 +962,7 @@
           </a:lstStyle>
           <a:p>
             <a:r>
-              <a:rPr lang="en-US" smtClean="0"/>
+              <a:rPr lang="en-US"/>
               <a:t>Click to edit Master title style</a:t>
             </a:r>
             <a:endParaRPr lang="en-US" dirty="0"/>
@@ -999,7 +998,7 @@
           </a:lstStyle>
           <a:p>
             <a:r>
-              <a:rPr lang="en-US" smtClean="0"/>
+              <a:rPr lang="en-US"/>
               <a:t>Click to edit Master subtitle style</a:t>
             </a:r>
             <a:endParaRPr lang="en-US" dirty="0"/>
@@ -1087,7 +1086,7 @@
           </a:lstStyle>
           <a:p>
             <a:r>
-              <a:rPr lang="en-US" smtClean="0"/>
+              <a:rPr lang="en-US"/>
               <a:t>Click to edit Master title style</a:t>
             </a:r>
             <a:endParaRPr lang="en-US" dirty="0"/>
@@ -1152,35 +1151,35 @@
           <a:p>
             <a:pPr lvl="0"/>
             <a:r>
-              <a:rPr lang="en-US" smtClean="0"/>
+              <a:rPr lang="en-US"/>
               <a:t>Click to edit Master text styles</a:t>
             </a:r>
           </a:p>
           <a:p>
             <a:pPr lvl="1"/>
             <a:r>
-              <a:rPr lang="en-US" smtClean="0"/>
+              <a:rPr lang="en-US"/>
               <a:t>Second level</a:t>
             </a:r>
           </a:p>
           <a:p>
             <a:pPr lvl="2"/>
             <a:r>
-              <a:rPr lang="en-US" smtClean="0"/>
+              <a:rPr lang="en-US"/>
               <a:t>Third level</a:t>
             </a:r>
           </a:p>
           <a:p>
             <a:pPr lvl="3"/>
             <a:r>
-              <a:rPr lang="en-US" smtClean="0"/>
+              <a:rPr lang="en-US"/>
               <a:t>Fourth level</a:t>
             </a:r>
           </a:p>
           <a:p>
             <a:pPr lvl="4"/>
             <a:r>
-              <a:rPr lang="en-US" smtClean="0"/>
+              <a:rPr lang="en-US"/>
               <a:t>Fifth level</a:t>
             </a:r>
             <a:endParaRPr lang="en-US" dirty="0"/>
@@ -1244,10 +1243,9 @@
           </a:lstStyle>
           <a:p>
             <a:r>
-              <a:rPr lang="en-US" dirty="0" smtClean="0"/>
+              <a:rPr lang="en-US" dirty="0"/>
               <a:t>References</a:t>
             </a:r>
-            <a:endParaRPr lang="en-US" dirty="0"/>
           </a:p>
         </p:txBody>
       </p:sp>
@@ -1309,35 +1307,35 @@
           <a:p>
             <a:pPr lvl="0"/>
             <a:r>
-              <a:rPr lang="en-US" smtClean="0"/>
+              <a:rPr lang="en-US"/>
               <a:t>Click to edit Master text styles</a:t>
             </a:r>
           </a:p>
           <a:p>
             <a:pPr lvl="1"/>
             <a:r>
-              <a:rPr lang="en-US" smtClean="0"/>
+              <a:rPr lang="en-US"/>
               <a:t>Second level</a:t>
             </a:r>
           </a:p>
           <a:p>
             <a:pPr lvl="2"/>
             <a:r>
-              <a:rPr lang="en-US" smtClean="0"/>
+              <a:rPr lang="en-US"/>
               <a:t>Third level</a:t>
             </a:r>
           </a:p>
           <a:p>
             <a:pPr lvl="3"/>
             <a:r>
-              <a:rPr lang="en-US" smtClean="0"/>
+              <a:rPr lang="en-US"/>
               <a:t>Fourth level</a:t>
             </a:r>
           </a:p>
           <a:p>
             <a:pPr lvl="4"/>
             <a:r>
-              <a:rPr lang="en-US" smtClean="0"/>
+              <a:rPr lang="en-US"/>
               <a:t>Fifth level</a:t>
             </a:r>
             <a:endParaRPr lang="en-US" dirty="0"/>
@@ -1393,10 +1391,9 @@
           <a:lstStyle/>
           <a:p>
             <a:r>
-              <a:rPr lang="en-US" smtClean="0"/>
+              <a:rPr lang="en-US"/>
               <a:t>Click to edit Master title style</a:t>
             </a:r>
-            <a:endParaRPr lang="en-US"/>
           </a:p>
         </p:txBody>
       </p:sp>
@@ -1437,7 +1434,7 @@
           <a:p>
             <a:pPr lvl="0"/>
             <a:r>
-              <a:rPr lang="en-US" smtClean="0"/>
+              <a:rPr lang="en-US"/>
               <a:t>Click to edit Master text styles</a:t>
             </a:r>
           </a:p>
@@ -1492,10 +1489,9 @@
           <a:lstStyle/>
           <a:p>
             <a:r>
-              <a:rPr lang="en-US" smtClean="0"/>
+              <a:rPr lang="en-US"/>
               <a:t>Click to edit Master title style</a:t>
             </a:r>
-            <a:endParaRPr lang="en-US"/>
           </a:p>
         </p:txBody>
       </p:sp>
@@ -1548,10 +1544,9 @@
           <a:lstStyle/>
           <a:p>
             <a:r>
-              <a:rPr lang="en-US" smtClean="0"/>
+              <a:rPr lang="en-US"/>
               <a:t>Click to edit Master title style</a:t>
             </a:r>
-            <a:endParaRPr lang="en-US"/>
           </a:p>
         </p:txBody>
       </p:sp>
@@ -1592,7 +1587,7 @@
           <a:p>
             <a:pPr lvl="0"/>
             <a:r>
-              <a:rPr lang="en-US" smtClean="0"/>
+              <a:rPr lang="en-US"/>
               <a:t>Click to edit Master text styles</a:t>
             </a:r>
           </a:p>
@@ -1642,10 +1637,9 @@
           <a:lstStyle/>
           <a:p>
             <a:r>
-              <a:rPr lang="en-US" smtClean="0"/>
+              <a:rPr lang="en-US"/>
               <a:t>Click to edit Master title style</a:t>
             </a:r>
-            <a:endParaRPr lang="en-US"/>
           </a:p>
         </p:txBody>
       </p:sp>
@@ -1721,35 +1715,35 @@
           <a:p>
             <a:pPr lvl="0"/>
             <a:r>
-              <a:rPr lang="en-US" smtClean="0"/>
+              <a:rPr lang="en-US"/>
               <a:t>Click to edit Master text styles</a:t>
             </a:r>
           </a:p>
           <a:p>
             <a:pPr lvl="1"/>
             <a:r>
-              <a:rPr lang="en-US" smtClean="0"/>
+              <a:rPr lang="en-US"/>
               <a:t>Second level</a:t>
             </a:r>
           </a:p>
           <a:p>
             <a:pPr lvl="2"/>
             <a:r>
-              <a:rPr lang="en-US" smtClean="0"/>
+              <a:rPr lang="en-US"/>
               <a:t>Third level</a:t>
             </a:r>
           </a:p>
           <a:p>
             <a:pPr lvl="3"/>
             <a:r>
-              <a:rPr lang="en-US" smtClean="0"/>
+              <a:rPr lang="en-US"/>
               <a:t>Fourth level</a:t>
             </a:r>
           </a:p>
           <a:p>
             <a:pPr lvl="4"/>
             <a:r>
-              <a:rPr lang="en-US" smtClean="0"/>
+              <a:rPr lang="en-US"/>
               <a:t>Fifth level</a:t>
             </a:r>
           </a:p>
@@ -1791,7 +1785,7 @@
           <a:p>
             <a:pPr lvl="0"/>
             <a:r>
-              <a:rPr lang="en-US" smtClean="0"/>
+              <a:rPr lang="en-US"/>
               <a:t>Click to edit Master title style</a:t>
             </a:r>
           </a:p>
@@ -2402,14 +2396,14 @@
           <a:p>
             <a:pPr defTabSz="914400" eaLnBrk="1" hangingPunct="1"/>
             <a:r>
-              <a:rPr lang="en-US" sz="3200" dirty="0" smtClean="0"/>
+              <a:rPr lang="en-US" sz="3200" dirty="0"/>
               <a:t>Routing</a:t>
             </a:r>
           </a:p>
           <a:p>
             <a:pPr defTabSz="914400" eaLnBrk="1" hangingPunct="1"/>
             <a:r>
-              <a:rPr lang="en-US" dirty="0" smtClean="0"/>
+              <a:rPr lang="en-US" dirty="0"/>
               <a:t>&lt;router-outlet&gt;</a:t>
             </a:r>
           </a:p>
@@ -2494,15 +2488,60 @@
             <p:ph type="title"/>
           </p:nvPr>
         </p:nvSpPr>
+        <p:spPr>
+          <a:xfrm>
+            <a:off x="457200" y="381000"/>
+            <a:ext cx="8229600" cy="762000"/>
+          </a:xfrm>
+        </p:spPr>
+        <p:txBody>
+          <a:bodyPr/>
+          <a:lstStyle/>
+          <a:p>
+            <a:r>
+              <a:rPr lang="en-US" dirty="0"/>
+              <a:t>Child Routes</a:t>
+            </a:r>
+          </a:p>
+        </p:txBody>
+      </p:sp>
+      <p:sp>
+        <p:nvSpPr>
+          <p:cNvPr id="3" name="Text Placeholder 2"/>
+          <p:cNvSpPr>
+            <a:spLocks noGrp="1"/>
+          </p:cNvSpPr>
+          <p:nvPr>
+            <p:ph type="body" idx="1"/>
+          </p:nvPr>
+        </p:nvSpPr>
         <p:spPr/>
         <p:txBody>
           <a:bodyPr/>
           <a:lstStyle/>
           <a:p>
             <a:r>
-              <a:rPr lang="en-US" dirty="0" smtClean="0"/>
-              <a:t>Programmatically Route</a:t>
-            </a:r>
+              <a:rPr lang="en-US" dirty="0"/>
+              <a:t>Useful for composite </a:t>
+            </a:r>
+            <a:r>
+              <a:rPr lang="en-US" dirty="0" err="1"/>
+              <a:t>Uis</a:t>
+            </a:r>
+            <a:endParaRPr lang="en-US" dirty="0"/>
+          </a:p>
+          <a:p>
+            <a:pPr lvl="1"/>
+            <a:r>
+              <a:rPr lang="en-US" dirty="0"/>
+              <a:t>Dashboards, tree views, nested complexity</a:t>
+            </a:r>
+          </a:p>
+          <a:p>
+            <a:endParaRPr lang="en-US" dirty="0"/>
+          </a:p>
+          <a:p>
+            <a:pPr lvl="1"/>
             <a:endParaRPr lang="en-US" dirty="0"/>
           </a:p>
         </p:txBody>
@@ -2523,55 +2562,8 @@
         </p:blipFill>
         <p:spPr>
           <a:xfrm>
-            <a:off x="1790700" y="3282581"/>
-            <a:ext cx="5772150" cy="628650"/>
-          </a:xfrm>
-          <a:prstGeom prst="rect">
-            <a:avLst/>
-          </a:prstGeom>
-        </p:spPr>
-      </p:pic>
-      <p:sp>
-        <p:nvSpPr>
-          <p:cNvPr id="3" name="Text Placeholder 2"/>
-          <p:cNvSpPr>
-            <a:spLocks noGrp="1"/>
-          </p:cNvSpPr>
-          <p:nvPr>
-            <p:ph type="body" idx="1"/>
-          </p:nvPr>
-        </p:nvSpPr>
-        <p:spPr/>
-        <p:txBody>
-          <a:bodyPr/>
-          <a:lstStyle/>
-          <a:p>
-            <a:r>
-              <a:rPr lang="en-US" dirty="0" smtClean="0"/>
-              <a:t>Inject a Router and use navigate</a:t>
-            </a:r>
-            <a:endParaRPr lang="en-US" dirty="0"/>
-          </a:p>
-        </p:txBody>
-      </p:sp>
-      <p:pic>
-        <p:nvPicPr>
-          <p:cNvPr id="4" name="Picture 3"/>
-          <p:cNvPicPr>
-            <a:picLocks noChangeAspect="1"/>
-          </p:cNvPicPr>
-          <p:nvPr/>
-        </p:nvPicPr>
-        <p:blipFill>
-          <a:blip r:embed="rId3"/>
-          <a:stretch>
-            <a:fillRect/>
-          </a:stretch>
-        </p:blipFill>
-        <p:spPr>
-          <a:xfrm>
-            <a:off x="1790700" y="4419600"/>
-            <a:ext cx="5562600" cy="800100"/>
+            <a:off x="1219200" y="2895600"/>
+            <a:ext cx="6953250" cy="2505075"/>
           </a:xfrm>
           <a:prstGeom prst="rect">
             <a:avLst/>
@@ -2581,7 +2573,7 @@
     </p:spTree>
     <p:extLst>
       <p:ext uri="{BB962C8B-B14F-4D97-AF65-F5344CB8AC3E}">
-        <p14:creationId xmlns:p14="http://schemas.microsoft.com/office/powerpoint/2010/main" val="1669918928"/>
+        <p14:creationId xmlns:p14="http://schemas.microsoft.com/office/powerpoint/2010/main" val="2742800906"/>
       </p:ext>
     </p:extLst>
   </p:cSld>
@@ -2591,142 +2583,6 @@
   <p:transition>
     <p:fade/>
   </p:transition>
-  <p:timing>
-    <p:tnLst>
-      <p:par>
-        <p:cTn id="1" dur="indefinite" restart="never" nodeType="tmRoot">
-          <p:childTnLst>
-            <p:seq concurrent="1" nextAc="seek">
-              <p:cTn id="2" dur="indefinite" nodeType="mainSeq">
-                <p:childTnLst>
-                  <p:par>
-                    <p:cTn id="3" fill="hold">
-                      <p:stCondLst>
-                        <p:cond delay="indefinite"/>
-                      </p:stCondLst>
-                      <p:childTnLst>
-                        <p:par>
-                          <p:cTn id="4" fill="hold">
-                            <p:stCondLst>
-                              <p:cond delay="0"/>
-                            </p:stCondLst>
-                            <p:childTnLst>
-                              <p:par>
-                                <p:cTn id="5" presetID="10" presetClass="entr" presetSubtype="0" fill="hold" nodeType="clickEffect">
-                                  <p:stCondLst>
-                                    <p:cond delay="0"/>
-                                  </p:stCondLst>
-                                  <p:childTnLst>
-                                    <p:set>
-                                      <p:cBhvr>
-                                        <p:cTn id="6" dur="1" fill="hold">
-                                          <p:stCondLst>
-                                            <p:cond delay="0"/>
-                                          </p:stCondLst>
-                                        </p:cTn>
-                                        <p:tgtEl>
-                                          <p:spTgt spid="5"/>
-                                        </p:tgtEl>
-                                        <p:attrNameLst>
-                                          <p:attrName>style.visibility</p:attrName>
-                                        </p:attrNameLst>
-                                      </p:cBhvr>
-                                      <p:to>
-                                        <p:strVal val="visible"/>
-                                      </p:to>
-                                    </p:set>
-                                    <p:animEffect transition="in" filter="fade">
-                                      <p:cBhvr>
-                                        <p:cTn id="7" dur="500"/>
-                                        <p:tgtEl>
-                                          <p:spTgt spid="5"/>
-                                        </p:tgtEl>
-                                      </p:cBhvr>
-                                    </p:animEffect>
-                                  </p:childTnLst>
-                                </p:cTn>
-                              </p:par>
-                            </p:childTnLst>
-                          </p:cTn>
-                        </p:par>
-                      </p:childTnLst>
-                    </p:cTn>
-                  </p:par>
-                  <p:par>
-                    <p:cTn id="8" fill="hold">
-                      <p:stCondLst>
-                        <p:cond delay="indefinite"/>
-                      </p:stCondLst>
-                      <p:childTnLst>
-                        <p:par>
-                          <p:cTn id="9" fill="hold">
-                            <p:stCondLst>
-                              <p:cond delay="0"/>
-                            </p:stCondLst>
-                            <p:childTnLst>
-                              <p:par>
-                                <p:cTn id="10" presetID="10" presetClass="entr" presetSubtype="0" fill="hold" nodeType="clickEffect">
-                                  <p:stCondLst>
-                                    <p:cond delay="0"/>
-                                  </p:stCondLst>
-                                  <p:childTnLst>
-                                    <p:set>
-                                      <p:cBhvr>
-                                        <p:cTn id="11" dur="1" fill="hold">
-                                          <p:stCondLst>
-                                            <p:cond delay="0"/>
-                                          </p:stCondLst>
-                                        </p:cTn>
-                                        <p:tgtEl>
-                                          <p:spTgt spid="4"/>
-                                        </p:tgtEl>
-                                        <p:attrNameLst>
-                                          <p:attrName>style.visibility</p:attrName>
-                                        </p:attrNameLst>
-                                      </p:cBhvr>
-                                      <p:to>
-                                        <p:strVal val="visible"/>
-                                      </p:to>
-                                    </p:set>
-                                    <p:animEffect transition="in" filter="fade">
-                                      <p:cBhvr>
-                                        <p:cTn id="12" dur="500"/>
-                                        <p:tgtEl>
-                                          <p:spTgt spid="4"/>
-                                        </p:tgtEl>
-                                      </p:cBhvr>
-                                    </p:animEffect>
-                                  </p:childTnLst>
-                                </p:cTn>
-                              </p:par>
-                            </p:childTnLst>
-                          </p:cTn>
-                        </p:par>
-                      </p:childTnLst>
-                    </p:cTn>
-                  </p:par>
-                </p:childTnLst>
-              </p:cTn>
-              <p:prevCondLst>
-                <p:cond evt="onPrev" delay="0">
-                  <p:tgtEl>
-                    <p:sldTgt/>
-                  </p:tgtEl>
-                </p:cond>
-              </p:prevCondLst>
-              <p:nextCondLst>
-                <p:cond evt="onNext" delay="0">
-                  <p:tgtEl>
-                    <p:sldTgt/>
-                  </p:tgtEl>
-                </p:cond>
-              </p:nextCondLst>
-            </p:seq>
-          </p:childTnLst>
-        </p:cTn>
-      </p:par>
-    </p:tnLst>
-  </p:timing>
 </p:sld>
 </file>
 
@@ -2763,10 +2619,9 @@
           <a:lstStyle/>
           <a:p>
             <a:r>
-              <a:rPr lang="en-US" dirty="0" smtClean="0"/>
-              <a:t>Child Routers</a:t>
-            </a:r>
-            <a:endParaRPr lang="en-US" dirty="0"/>
+              <a:rPr lang="en-US" dirty="0"/>
+              <a:t>Route Guards</a:t>
+            </a:r>
           </a:p>
         </p:txBody>
       </p:sp>
@@ -2780,41 +2635,40 @@
             <p:ph type="body" idx="1"/>
           </p:nvPr>
         </p:nvSpPr>
-        <p:spPr/>
+        <p:spPr>
+          <a:xfrm>
+            <a:off x="457200" y="1447800"/>
+            <a:ext cx="2743200" cy="4495800"/>
+          </a:xfrm>
+        </p:spPr>
         <p:txBody>
           <a:bodyPr/>
           <a:lstStyle/>
           <a:p>
             <a:r>
-              <a:rPr lang="en-US" dirty="0" smtClean="0"/>
-              <a:t>Sub components can also expose a route configuration</a:t>
-            </a:r>
-          </a:p>
-          <a:p>
-            <a:pPr lvl="1"/>
-            <a:r>
-              <a:rPr lang="en-US" dirty="0" smtClean="0"/>
-              <a:t>Useful for composite UIs (example: tabbed interface)</a:t>
-            </a:r>
-          </a:p>
-          <a:p>
-            <a:r>
-              <a:rPr lang="en-US" dirty="0" smtClean="0"/>
-              <a:t>Expose a non-terminal (…) route on a parent components</a:t>
-            </a:r>
-          </a:p>
-          <a:p>
-            <a:endParaRPr lang="en-US" dirty="0" smtClean="0"/>
-          </a:p>
-          <a:p>
-            <a:pPr lvl="1"/>
+              <a:rPr lang="en-US" dirty="0" err="1"/>
+              <a:t>canActivate</a:t>
+            </a:r>
+            <a:endParaRPr lang="en-US" dirty="0"/>
+          </a:p>
+          <a:p>
+            <a:r>
+              <a:rPr lang="en-US" dirty="0" err="1"/>
+              <a:t>canDeactivate</a:t>
+            </a:r>
+            <a:endParaRPr lang="en-US" dirty="0"/>
+          </a:p>
+          <a:p>
+            <a:endParaRPr lang="en-US" dirty="0"/>
+          </a:p>
+          <a:p>
             <a:endParaRPr lang="en-US" dirty="0"/>
           </a:p>
         </p:txBody>
       </p:sp>
       <p:pic>
         <p:nvPicPr>
-          <p:cNvPr id="4" name="Picture 3"/>
+          <p:cNvPr id="5" name="Picture 4"/>
           <p:cNvPicPr>
             <a:picLocks noChangeAspect="1"/>
           </p:cNvPicPr>
@@ -2828,8 +2682,8 @@
         </p:blipFill>
         <p:spPr>
           <a:xfrm>
-            <a:off x="2438400" y="3429000"/>
-            <a:ext cx="3333750" cy="1419225"/>
+            <a:off x="1820008" y="2743200"/>
+            <a:ext cx="5734050" cy="3067050"/>
           </a:xfrm>
           <a:prstGeom prst="rect">
             <a:avLst/>
@@ -2839,7 +2693,7 @@
     </p:spTree>
     <p:extLst>
       <p:ext uri="{BB962C8B-B14F-4D97-AF65-F5344CB8AC3E}">
-        <p14:creationId xmlns:p14="http://schemas.microsoft.com/office/powerpoint/2010/main" val="2742800906"/>
+        <p14:creationId xmlns:p14="http://schemas.microsoft.com/office/powerpoint/2010/main" val="3879088983"/>
       </p:ext>
     </p:extLst>
   </p:cSld>
@@ -2885,147 +2739,9 @@
           <a:lstStyle/>
           <a:p>
             <a:r>
-              <a:rPr lang="en-US" dirty="0" smtClean="0"/>
-              <a:t>Router Lifecycle Hooks</a:t>
-            </a:r>
-            <a:endParaRPr lang="en-US" dirty="0"/>
-          </a:p>
-        </p:txBody>
-      </p:sp>
-      <p:sp>
-        <p:nvSpPr>
-          <p:cNvPr id="3" name="Text Placeholder 2"/>
-          <p:cNvSpPr>
-            <a:spLocks noGrp="1"/>
-          </p:cNvSpPr>
-          <p:nvPr>
-            <p:ph type="body" idx="1"/>
-          </p:nvPr>
-        </p:nvSpPr>
-        <p:spPr>
-          <a:xfrm>
-            <a:off x="457200" y="1447800"/>
-            <a:ext cx="2743200" cy="4495800"/>
-          </a:xfrm>
-        </p:spPr>
-        <p:txBody>
-          <a:bodyPr/>
-          <a:lstStyle/>
-          <a:p>
-            <a:r>
-              <a:rPr lang="en-US" dirty="0" err="1" smtClean="0"/>
-              <a:t>CanActivate</a:t>
-            </a:r>
-            <a:r>
-              <a:rPr lang="en-US" dirty="0" smtClean="0"/>
-              <a:t> / </a:t>
-            </a:r>
-            <a:r>
-              <a:rPr lang="en-US" dirty="0" err="1" smtClean="0"/>
-              <a:t>OnActivate</a:t>
-            </a:r>
-            <a:endParaRPr lang="en-US" dirty="0" smtClean="0"/>
-          </a:p>
-          <a:p>
-            <a:r>
-              <a:rPr lang="en-US" dirty="0" err="1" smtClean="0"/>
-              <a:t>CanDeactivate</a:t>
-            </a:r>
-            <a:r>
-              <a:rPr lang="en-US" dirty="0" smtClean="0"/>
-              <a:t> / </a:t>
-            </a:r>
-            <a:r>
-              <a:rPr lang="en-US" dirty="0" err="1" smtClean="0"/>
-              <a:t>OnDeactivate</a:t>
-            </a:r>
-            <a:endParaRPr lang="en-US" dirty="0" smtClean="0"/>
-          </a:p>
-          <a:p>
-            <a:endParaRPr lang="en-US" dirty="0" smtClean="0"/>
-          </a:p>
-          <a:p>
-            <a:endParaRPr lang="en-US" dirty="0"/>
-          </a:p>
-        </p:txBody>
-      </p:sp>
-      <p:pic>
-        <p:nvPicPr>
-          <p:cNvPr id="4" name="Picture 3"/>
-          <p:cNvPicPr>
-            <a:picLocks noChangeAspect="1"/>
-          </p:cNvPicPr>
-          <p:nvPr/>
-        </p:nvPicPr>
-        <p:blipFill>
-          <a:blip r:embed="rId2"/>
-          <a:stretch>
-            <a:fillRect/>
-          </a:stretch>
-        </p:blipFill>
-        <p:spPr>
-          <a:xfrm>
-            <a:off x="3962400" y="1068572"/>
-            <a:ext cx="4550956" cy="5334000"/>
-          </a:xfrm>
-          <a:prstGeom prst="rect">
-            <a:avLst/>
-          </a:prstGeom>
-        </p:spPr>
-      </p:pic>
-    </p:spTree>
-    <p:extLst>
-      <p:ext uri="{BB962C8B-B14F-4D97-AF65-F5344CB8AC3E}">
-        <p14:creationId xmlns:p14="http://schemas.microsoft.com/office/powerpoint/2010/main" val="3879088983"/>
-      </p:ext>
-    </p:extLst>
-  </p:cSld>
-  <p:clrMapOvr>
-    <a:masterClrMapping/>
-  </p:clrMapOvr>
-  <p:transition>
-    <p:fade/>
-  </p:transition>
-</p:sld>
-</file>
-
-<file path=ppt/slides/slide13.xml><?xml version="1.0" encoding="utf-8"?>
-<p:sld xmlns:a="http://schemas.openxmlformats.org/drawingml/2006/main" xmlns:r="http://schemas.openxmlformats.org/officeDocument/2006/relationships" xmlns:p="http://schemas.openxmlformats.org/presentationml/2006/main">
-  <p:cSld>
-    <p:spTree>
-      <p:nvGrpSpPr>
-        <p:cNvPr id="1" name=""/>
-        <p:cNvGrpSpPr/>
-        <p:nvPr/>
-      </p:nvGrpSpPr>
-      <p:grpSpPr>
-        <a:xfrm>
-          <a:off x="0" y="0"/>
-          <a:ext cx="0" cy="0"/>
-          <a:chOff x="0" y="0"/>
-          <a:chExt cx="0" cy="0"/>
-        </a:xfrm>
-      </p:grpSpPr>
-      <p:sp>
-        <p:nvSpPr>
-          <p:cNvPr id="2" name="Title 1"/>
-          <p:cNvSpPr>
-            <a:spLocks noGrp="1"/>
-          </p:cNvSpPr>
-          <p:nvPr>
-            <p:ph type="title"/>
-          </p:nvPr>
-        </p:nvSpPr>
-        <p:spPr/>
-        <p:txBody>
-          <a:bodyPr/>
-          <a:lstStyle/>
-          <a:p>
-            <a:r>
-              <a:rPr lang="en-US" dirty="0" smtClean="0"/>
+              <a:rPr lang="en-US" dirty="0"/>
               <a:t>Summary</a:t>
             </a:r>
-            <a:endParaRPr lang="en-US" dirty="0"/>
           </a:p>
         </p:txBody>
       </p:sp>
@@ -3045,10 +2761,9 @@
           <a:lstStyle/>
           <a:p>
             <a:r>
-              <a:rPr lang="en-US" dirty="0" smtClean="0"/>
+              <a:rPr lang="en-US" dirty="0"/>
               <a:t>Routing builds big applications from small pieces</a:t>
             </a:r>
-            <a:endParaRPr lang="en-US" dirty="0"/>
           </a:p>
         </p:txBody>
       </p:sp>
@@ -3093,14 +2808,11 @@
           <a:p>
             <a:pPr algn="ctr"/>
             <a:r>
-              <a:rPr lang="en-US" sz="2000" dirty="0" smtClean="0">
+              <a:rPr lang="en-US" sz="2000" dirty="0">
                 <a:latin typeface="Tekton Pro" pitchFamily="34" charset="0"/>
               </a:rPr>
               <a:t>App</a:t>
             </a:r>
-            <a:endParaRPr lang="en-US" sz="2000" dirty="0">
-              <a:latin typeface="Tekton Pro" pitchFamily="34" charset="0"/>
-            </a:endParaRPr>
           </a:p>
         </p:txBody>
       </p:sp>
@@ -3145,14 +2857,11 @@
           <a:p>
             <a:pPr algn="ctr"/>
             <a:r>
-              <a:rPr lang="en-US" sz="2000" dirty="0" smtClean="0">
+              <a:rPr lang="en-US" sz="2000" dirty="0">
                 <a:latin typeface="Tekton Pro" pitchFamily="34" charset="0"/>
               </a:rPr>
               <a:t>Reports</a:t>
             </a:r>
-            <a:endParaRPr lang="en-US" sz="2000" dirty="0">
-              <a:latin typeface="Tekton Pro" pitchFamily="34" charset="0"/>
-            </a:endParaRPr>
           </a:p>
         </p:txBody>
       </p:sp>
@@ -3197,14 +2906,11 @@
           <a:p>
             <a:pPr algn="ctr"/>
             <a:r>
-              <a:rPr lang="en-US" sz="2000" dirty="0" smtClean="0">
+              <a:rPr lang="en-US" sz="2000" dirty="0">
                 <a:latin typeface="Tekton Pro" pitchFamily="34" charset="0"/>
               </a:rPr>
               <a:t>Customers</a:t>
             </a:r>
-            <a:endParaRPr lang="en-US" sz="2000" dirty="0">
-              <a:latin typeface="Tekton Pro" pitchFamily="34" charset="0"/>
-            </a:endParaRPr>
           </a:p>
         </p:txBody>
       </p:sp>
@@ -3249,14 +2955,11 @@
           <a:p>
             <a:pPr algn="ctr"/>
             <a:r>
-              <a:rPr lang="en-US" sz="2000" dirty="0" smtClean="0">
+              <a:rPr lang="en-US" sz="2000" dirty="0">
                 <a:latin typeface="Tekton Pro" pitchFamily="34" charset="0"/>
               </a:rPr>
               <a:t>Orders</a:t>
             </a:r>
-            <a:endParaRPr lang="en-US" sz="2000" dirty="0">
-              <a:latin typeface="Tekton Pro" pitchFamily="34" charset="0"/>
-            </a:endParaRPr>
           </a:p>
         </p:txBody>
       </p:sp>
@@ -3301,7 +3004,7 @@
           <a:p>
             <a:pPr algn="ctr"/>
             <a:r>
-              <a:rPr lang="en-US" sz="2000" dirty="0" err="1" smtClean="0">
+              <a:rPr lang="en-US" sz="2000" dirty="0" err="1">
                 <a:latin typeface="Tekton Pro" pitchFamily="34" charset="0"/>
               </a:rPr>
               <a:t>CustomerDetail</a:t>
@@ -3353,7 +3056,7 @@
           <a:p>
             <a:pPr algn="ctr"/>
             <a:r>
-              <a:rPr lang="en-US" sz="2000" dirty="0" err="1" smtClean="0">
+              <a:rPr lang="en-US" sz="2000" dirty="0" err="1">
                 <a:latin typeface="Tekton Pro" pitchFamily="34" charset="0"/>
               </a:rPr>
               <a:t>CustomerEdit</a:t>
@@ -3610,10 +3313,9 @@
           <a:lstStyle/>
           <a:p>
             <a:r>
-              <a:rPr lang="en-US" dirty="0" smtClean="0"/>
+              <a:rPr lang="en-US" dirty="0"/>
               <a:t>Why Routing?</a:t>
             </a:r>
-            <a:endParaRPr lang="en-US" dirty="0"/>
           </a:p>
         </p:txBody>
       </p:sp>
@@ -3633,27 +3335,27 @@
           <a:lstStyle/>
           <a:p>
             <a:r>
-              <a:rPr lang="en-US" dirty="0" smtClean="0"/>
+              <a:rPr lang="en-US" dirty="0"/>
               <a:t>Break large application into small components</a:t>
             </a:r>
           </a:p>
           <a:p>
             <a:r>
-              <a:rPr lang="en-US" dirty="0" smtClean="0"/>
+              <a:rPr lang="en-US" dirty="0"/>
               <a:t>Provide more features </a:t>
             </a:r>
           </a:p>
           <a:p>
             <a:pPr lvl="1"/>
             <a:r>
-              <a:rPr lang="en-US" dirty="0" smtClean="0"/>
+              <a:rPr lang="en-US" dirty="0"/>
               <a:t>Deep linking</a:t>
             </a:r>
           </a:p>
           <a:p>
             <a:pPr lvl="1"/>
             <a:r>
-              <a:rPr lang="en-US" dirty="0" smtClean="0"/>
+              <a:rPr lang="en-US" dirty="0"/>
               <a:t>Bookmarks</a:t>
             </a:r>
           </a:p>
@@ -3661,13 +3363,8 @@
             <a:pPr lvl="1"/>
             <a:r>
               <a:rPr lang="en-US" dirty="0"/>
-              <a:t>H</a:t>
-            </a:r>
-            <a:r>
-              <a:rPr lang="en-US" dirty="0" smtClean="0"/>
-              <a:t>istory</a:t>
-            </a:r>
-            <a:endParaRPr lang="en-US" dirty="0"/>
+              <a:t>History</a:t>
+            </a:r>
           </a:p>
         </p:txBody>
       </p:sp>
@@ -3802,10 +3499,9 @@
           <a:lstStyle/>
           <a:p>
             <a:r>
-              <a:rPr lang="en-US" dirty="0" smtClean="0"/>
+              <a:rPr lang="en-US" dirty="0"/>
               <a:t>Prepare for Routing</a:t>
             </a:r>
-            <a:endParaRPr lang="en-US" dirty="0"/>
           </a:p>
         </p:txBody>
       </p:sp>
@@ -3825,22 +3521,18 @@
           <a:lstStyle/>
           <a:p>
             <a:r>
-              <a:rPr lang="en-US" dirty="0" smtClean="0"/>
-              <a:t>Router features are in angular2/router</a:t>
-            </a:r>
-          </a:p>
-          <a:p>
-            <a:r>
-              <a:rPr lang="en-US" dirty="0" smtClean="0"/>
+              <a:rPr lang="en-US" dirty="0"/>
+              <a:t>Router features are in @angular2/router</a:t>
+            </a:r>
+          </a:p>
+          <a:p>
+            <a:r>
+              <a:rPr lang="en-US" dirty="0"/>
               <a:t>Set a base </a:t>
             </a:r>
             <a:r>
-              <a:rPr lang="en-US" dirty="0" err="1" smtClean="0"/>
+              <a:rPr lang="en-US" dirty="0" err="1"/>
               <a:t>href</a:t>
-            </a:r>
-            <a:r>
-              <a:rPr lang="en-US" dirty="0" smtClean="0"/>
-              <a:t> if using HTML5 routing (no #)</a:t>
             </a:r>
             <a:endParaRPr lang="en-US" dirty="0"/>
           </a:p>
@@ -3848,7 +3540,7 @@
       </p:sp>
       <p:pic>
         <p:nvPicPr>
-          <p:cNvPr id="4" name="Picture 3"/>
+          <p:cNvPr id="5" name="Picture 4"/>
           <p:cNvPicPr>
             <a:picLocks noChangeAspect="1"/>
           </p:cNvPicPr>
@@ -3862,8 +3554,8 @@
         </p:blipFill>
         <p:spPr>
           <a:xfrm>
-            <a:off x="1071562" y="2438400"/>
-            <a:ext cx="7000875" cy="3667125"/>
+            <a:off x="1219200" y="2895600"/>
+            <a:ext cx="6362700" cy="1381125"/>
           </a:xfrm>
           <a:prstGeom prst="rect">
             <a:avLst/>
@@ -3919,10 +3611,9 @@
           <a:lstStyle/>
           <a:p>
             <a:r>
-              <a:rPr lang="en-US" dirty="0" smtClean="0"/>
+              <a:rPr lang="en-US" dirty="0"/>
               <a:t>Bootstrap for Routing</a:t>
             </a:r>
-            <a:endParaRPr lang="en-US" dirty="0"/>
           </a:p>
         </p:txBody>
       </p:sp>
@@ -3942,26 +3633,15 @@
           <a:lstStyle/>
           <a:p>
             <a:r>
-              <a:rPr lang="en-US" dirty="0" smtClean="0"/>
-              <a:t>Add the router providers</a:t>
-            </a:r>
-          </a:p>
-          <a:p>
-            <a:r>
-              <a:rPr lang="en-US" dirty="0" smtClean="0"/>
-              <a:t>Optionally use the </a:t>
-            </a:r>
-            <a:r>
-              <a:rPr lang="en-US" dirty="0" err="1" smtClean="0"/>
-              <a:t>HashLocationStrategy</a:t>
-            </a:r>
-            <a:endParaRPr lang="en-US" dirty="0"/>
+              <a:rPr lang="en-US" dirty="0"/>
+              <a:t>Need a top level route configuration</a:t>
+            </a:r>
           </a:p>
         </p:txBody>
       </p:sp>
       <p:pic>
         <p:nvPicPr>
-          <p:cNvPr id="4" name="Picture 3"/>
+          <p:cNvPr id="6" name="Picture 5"/>
           <p:cNvPicPr>
             <a:picLocks noChangeAspect="1"/>
           </p:cNvPicPr>
@@ -3975,8 +3655,32 @@
         </p:blipFill>
         <p:spPr>
           <a:xfrm>
-            <a:off x="1347787" y="3124200"/>
-            <a:ext cx="6448425" cy="2628900"/>
+            <a:off x="463062" y="2085975"/>
+            <a:ext cx="6524625" cy="3219450"/>
+          </a:xfrm>
+          <a:prstGeom prst="rect">
+            <a:avLst/>
+          </a:prstGeom>
+        </p:spPr>
+      </p:pic>
+      <p:pic>
+        <p:nvPicPr>
+          <p:cNvPr id="7" name="Picture 6"/>
+          <p:cNvPicPr>
+            <a:picLocks noChangeAspect="1"/>
+          </p:cNvPicPr>
+          <p:nvPr/>
+        </p:nvPicPr>
+        <p:blipFill>
+          <a:blip r:embed="rId3"/>
+          <a:stretch>
+            <a:fillRect/>
+          </a:stretch>
+        </p:blipFill>
+        <p:spPr>
+          <a:xfrm>
+            <a:off x="3200400" y="5554174"/>
+            <a:ext cx="5267325" cy="476250"/>
           </a:xfrm>
           <a:prstGeom prst="rect">
             <a:avLst/>
@@ -3996,6 +3700,142 @@
   <p:transition>
     <p:fade/>
   </p:transition>
+  <p:timing>
+    <p:tnLst>
+      <p:par>
+        <p:cTn id="1" dur="indefinite" restart="never" nodeType="tmRoot">
+          <p:childTnLst>
+            <p:seq concurrent="1" nextAc="seek">
+              <p:cTn id="2" dur="indefinite" nodeType="mainSeq">
+                <p:childTnLst>
+                  <p:par>
+                    <p:cTn id="3" fill="hold">
+                      <p:stCondLst>
+                        <p:cond delay="indefinite"/>
+                      </p:stCondLst>
+                      <p:childTnLst>
+                        <p:par>
+                          <p:cTn id="4" fill="hold">
+                            <p:stCondLst>
+                              <p:cond delay="0"/>
+                            </p:stCondLst>
+                            <p:childTnLst>
+                              <p:par>
+                                <p:cTn id="5" presetID="10" presetClass="entr" presetSubtype="0" fill="hold" nodeType="clickEffect">
+                                  <p:stCondLst>
+                                    <p:cond delay="0"/>
+                                  </p:stCondLst>
+                                  <p:childTnLst>
+                                    <p:set>
+                                      <p:cBhvr>
+                                        <p:cTn id="6" dur="1" fill="hold">
+                                          <p:stCondLst>
+                                            <p:cond delay="0"/>
+                                          </p:stCondLst>
+                                        </p:cTn>
+                                        <p:tgtEl>
+                                          <p:spTgt spid="6"/>
+                                        </p:tgtEl>
+                                        <p:attrNameLst>
+                                          <p:attrName>style.visibility</p:attrName>
+                                        </p:attrNameLst>
+                                      </p:cBhvr>
+                                      <p:to>
+                                        <p:strVal val="visible"/>
+                                      </p:to>
+                                    </p:set>
+                                    <p:animEffect transition="in" filter="fade">
+                                      <p:cBhvr>
+                                        <p:cTn id="7" dur="500"/>
+                                        <p:tgtEl>
+                                          <p:spTgt spid="6"/>
+                                        </p:tgtEl>
+                                      </p:cBhvr>
+                                    </p:animEffect>
+                                  </p:childTnLst>
+                                </p:cTn>
+                              </p:par>
+                            </p:childTnLst>
+                          </p:cTn>
+                        </p:par>
+                      </p:childTnLst>
+                    </p:cTn>
+                  </p:par>
+                  <p:par>
+                    <p:cTn id="8" fill="hold">
+                      <p:stCondLst>
+                        <p:cond delay="indefinite"/>
+                      </p:stCondLst>
+                      <p:childTnLst>
+                        <p:par>
+                          <p:cTn id="9" fill="hold">
+                            <p:stCondLst>
+                              <p:cond delay="0"/>
+                            </p:stCondLst>
+                            <p:childTnLst>
+                              <p:par>
+                                <p:cTn id="10" presetID="10" presetClass="entr" presetSubtype="0" fill="hold" nodeType="clickEffect">
+                                  <p:stCondLst>
+                                    <p:cond delay="0"/>
+                                  </p:stCondLst>
+                                  <p:childTnLst>
+                                    <p:set>
+                                      <p:cBhvr>
+                                        <p:cTn id="11" dur="1" fill="hold">
+                                          <p:stCondLst>
+                                            <p:cond delay="0"/>
+                                          </p:stCondLst>
+                                        </p:cTn>
+                                        <p:tgtEl>
+                                          <p:spTgt spid="7"/>
+                                        </p:tgtEl>
+                                        <p:attrNameLst>
+                                          <p:attrName>style.visibility</p:attrName>
+                                        </p:attrNameLst>
+                                      </p:cBhvr>
+                                      <p:to>
+                                        <p:strVal val="visible"/>
+                                      </p:to>
+                                    </p:set>
+                                    <p:animEffect transition="in" filter="fade">
+                                      <p:cBhvr>
+                                        <p:cTn id="12" dur="500"/>
+                                        <p:tgtEl>
+                                          <p:spTgt spid="7"/>
+                                        </p:tgtEl>
+                                      </p:cBhvr>
+                                    </p:animEffect>
+                                  </p:childTnLst>
+                                </p:cTn>
+                              </p:par>
+                            </p:childTnLst>
+                          </p:cTn>
+                        </p:par>
+                      </p:childTnLst>
+                    </p:cTn>
+                  </p:par>
+                </p:childTnLst>
+              </p:cTn>
+              <p:prevCondLst>
+                <p:cond evt="onPrev" delay="0">
+                  <p:tgtEl>
+                    <p:sldTgt/>
+                  </p:tgtEl>
+                </p:cond>
+              </p:prevCondLst>
+              <p:nextCondLst>
+                <p:cond evt="onNext" delay="0">
+                  <p:tgtEl>
+                    <p:sldTgt/>
+                  </p:tgtEl>
+                </p:cond>
+              </p:nextCondLst>
+            </p:seq>
+          </p:childTnLst>
+        </p:cTn>
+      </p:par>
+    </p:tnLst>
+  </p:timing>
 </p:sld>
 </file>
 
@@ -4032,10 +3872,9 @@
           <a:lstStyle/>
           <a:p>
             <a:r>
-              <a:rPr lang="en-US" dirty="0" smtClean="0"/>
-              <a:t>The App Component</a:t>
-            </a:r>
-            <a:endParaRPr lang="en-US" dirty="0"/>
+              <a:rPr lang="en-US" dirty="0"/>
+              <a:t>The Navigation Shell</a:t>
+            </a:r>
           </a:p>
         </p:txBody>
       </p:sp>
@@ -4055,16 +3894,34 @@
           <a:lstStyle/>
           <a:p>
             <a:r>
-              <a:rPr lang="en-US" dirty="0" smtClean="0"/>
-              <a:t>Use the @</a:t>
-            </a:r>
-            <a:r>
-              <a:rPr lang="en-US" dirty="0" err="1" smtClean="0"/>
-              <a:t>RouteConfig</a:t>
-            </a:r>
-            <a:r>
-              <a:rPr lang="en-US" dirty="0" smtClean="0"/>
-              <a:t> decorator</a:t>
+              <a:rPr lang="en-US" dirty="0"/>
+              <a:t>Top level component becomes a shell</a:t>
+            </a:r>
+          </a:p>
+          <a:p>
+            <a:pPr lvl="1"/>
+            <a:r>
+              <a:rPr lang="en-US" dirty="0"/>
+              <a:t>Use router-outlet directive to plugin routed components</a:t>
+            </a:r>
+          </a:p>
+          <a:p>
+            <a:pPr lvl="1"/>
+            <a:r>
+              <a:rPr lang="en-US" dirty="0"/>
+              <a:t>Use </a:t>
+            </a:r>
+            <a:r>
+              <a:rPr lang="en-US" dirty="0" err="1"/>
+              <a:t>routerLink</a:t>
+            </a:r>
+            <a:r>
+              <a:rPr lang="en-US" dirty="0"/>
+              <a:t> to build anchor tags based on route </a:t>
+            </a:r>
+            <a:r>
+              <a:rPr lang="en-US" dirty="0" err="1"/>
+              <a:t>config</a:t>
             </a:r>
             <a:endParaRPr lang="en-US" dirty="0"/>
           </a:p>
@@ -4086,8 +3943,8 @@
         </p:blipFill>
         <p:spPr>
           <a:xfrm>
-            <a:off x="561975" y="2233945"/>
-            <a:ext cx="8124825" cy="4124325"/>
+            <a:off x="2057400" y="3200400"/>
+            <a:ext cx="4686300" cy="2305050"/>
           </a:xfrm>
           <a:prstGeom prst="rect">
             <a:avLst/>
@@ -4097,7 +3954,7 @@
     </p:spTree>
     <p:extLst>
       <p:ext uri="{BB962C8B-B14F-4D97-AF65-F5344CB8AC3E}">
-        <p14:creationId xmlns:p14="http://schemas.microsoft.com/office/powerpoint/2010/main" val="643198033"/>
+        <p14:creationId xmlns:p14="http://schemas.microsoft.com/office/powerpoint/2010/main" val="2502509983"/>
       </p:ext>
     </p:extLst>
   </p:cSld>
@@ -4143,10 +4000,9 @@
           <a:lstStyle/>
           <a:p>
             <a:r>
-              <a:rPr lang="en-US" dirty="0" smtClean="0"/>
-              <a:t>The “Shell Page”</a:t>
-            </a:r>
-            <a:endParaRPr lang="en-US" dirty="0"/>
+              <a:rPr lang="en-US" dirty="0"/>
+              <a:t>Working with Parameters</a:t>
+            </a:r>
           </a:p>
         </p:txBody>
       </p:sp>
@@ -4166,42 +4022,22 @@
           <a:lstStyle/>
           <a:p>
             <a:r>
-              <a:rPr lang="en-US" dirty="0" smtClean="0"/>
-              <a:t>Top level component typically becomes a shell</a:t>
+              <a:rPr lang="en-US" dirty="0"/>
+              <a:t>:tokens are placeholders</a:t>
             </a:r>
           </a:p>
           <a:p>
             <a:pPr lvl="1"/>
             <a:r>
-              <a:rPr lang="en-US" dirty="0" smtClean="0"/>
-              <a:t>Use router-outlet directive to plugin routed components</a:t>
-            </a:r>
-          </a:p>
-          <a:p>
-            <a:pPr lvl="1"/>
-            <a:r>
-              <a:rPr lang="en-US" dirty="0" smtClean="0"/>
-              <a:t>Use </a:t>
-            </a:r>
-            <a:r>
-              <a:rPr lang="en-US" dirty="0" err="1" smtClean="0"/>
-              <a:t>routerLink</a:t>
-            </a:r>
-            <a:r>
-              <a:rPr lang="en-US" dirty="0" smtClean="0"/>
-              <a:t> to build anchor tags based on route </a:t>
-            </a:r>
-            <a:r>
-              <a:rPr lang="en-US" dirty="0" err="1" smtClean="0"/>
-              <a:t>config</a:t>
-            </a:r>
-            <a:endParaRPr lang="en-US" dirty="0"/>
+              <a:rPr lang="en-US" dirty="0"/>
+              <a:t>Can use multiple tokens</a:t>
+            </a:r>
           </a:p>
         </p:txBody>
       </p:sp>
       <p:pic>
         <p:nvPicPr>
-          <p:cNvPr id="4" name="Picture 3"/>
+          <p:cNvPr id="5" name="Picture 4"/>
           <p:cNvPicPr>
             <a:picLocks noChangeAspect="1"/>
           </p:cNvPicPr>
@@ -4215,8 +4051,8 @@
         </p:blipFill>
         <p:spPr>
           <a:xfrm>
-            <a:off x="2057400" y="3200400"/>
-            <a:ext cx="4686300" cy="2305050"/>
+            <a:off x="1676400" y="2895600"/>
+            <a:ext cx="6019800" cy="2009775"/>
           </a:xfrm>
           <a:prstGeom prst="rect">
             <a:avLst/>
@@ -4226,7 +4062,7 @@
     </p:spTree>
     <p:extLst>
       <p:ext uri="{BB962C8B-B14F-4D97-AF65-F5344CB8AC3E}">
-        <p14:creationId xmlns:p14="http://schemas.microsoft.com/office/powerpoint/2010/main" val="2502509983"/>
+        <p14:creationId xmlns:p14="http://schemas.microsoft.com/office/powerpoint/2010/main" val="3731741768"/>
       </p:ext>
     </p:extLst>
   </p:cSld>
@@ -4272,10 +4108,9 @@
           <a:lstStyle/>
           <a:p>
             <a:r>
-              <a:rPr lang="en-US" dirty="0" smtClean="0"/>
-              <a:t>Working with Parameters</a:t>
-            </a:r>
-            <a:endParaRPr lang="en-US" dirty="0"/>
+              <a:rPr lang="en-US" dirty="0"/>
+              <a:t>Passing Parameters</a:t>
+            </a:r>
           </a:p>
         </p:txBody>
       </p:sp>
@@ -4295,17 +4130,17 @@
           <a:lstStyle/>
           <a:p>
             <a:r>
-              <a:rPr lang="en-US" dirty="0" smtClean="0"/>
-              <a:t>:tokens are placeholders</a:t>
-            </a:r>
-          </a:p>
-          <a:p>
-            <a:pPr lvl="1"/>
-            <a:r>
-              <a:rPr lang="en-US" dirty="0" smtClean="0"/>
-              <a:t>Can use multiple tokens</a:t>
-            </a:r>
-            <a:endParaRPr lang="en-US" dirty="0"/>
+              <a:rPr lang="en-US" dirty="0"/>
+              <a:t>Pass an object for parameters in </a:t>
+            </a:r>
+            <a:r>
+              <a:rPr lang="en-US" dirty="0" err="1"/>
+              <a:t>routerLink</a:t>
+            </a:r>
+            <a:r>
+              <a:rPr lang="en-US" dirty="0"/>
+              <a:t> array</a:t>
+            </a:r>
           </a:p>
         </p:txBody>
       </p:sp>
@@ -4325,8 +4160,8 @@
         </p:blipFill>
         <p:spPr>
           <a:xfrm>
-            <a:off x="809625" y="2971800"/>
-            <a:ext cx="7524750" cy="1133475"/>
+            <a:off x="1981200" y="3048000"/>
+            <a:ext cx="4714875" cy="952500"/>
           </a:xfrm>
           <a:prstGeom prst="rect">
             <a:avLst/>
@@ -4336,7 +4171,7 @@
     </p:spTree>
     <p:extLst>
       <p:ext uri="{BB962C8B-B14F-4D97-AF65-F5344CB8AC3E}">
-        <p14:creationId xmlns:p14="http://schemas.microsoft.com/office/powerpoint/2010/main" val="3731741768"/>
+        <p14:creationId xmlns:p14="http://schemas.microsoft.com/office/powerpoint/2010/main" val="2705265123"/>
       </p:ext>
     </p:extLst>
   </p:cSld>
@@ -4382,10 +4217,9 @@
           <a:lstStyle/>
           <a:p>
             <a:r>
-              <a:rPr lang="en-US" dirty="0" smtClean="0"/>
-              <a:t>Passing Parameters</a:t>
-            </a:r>
-            <a:endParaRPr lang="en-US" dirty="0"/>
+              <a:rPr lang="en-US" dirty="0"/>
+              <a:t>Receive Parameters</a:t>
+            </a:r>
           </a:p>
         </p:txBody>
       </p:sp>
@@ -4405,18 +4239,21 @@
           <a:lstStyle/>
           <a:p>
             <a:r>
-              <a:rPr lang="en-US" dirty="0" smtClean="0"/>
-              <a:t>Pass an object for parameters in </a:t>
-            </a:r>
-            <a:r>
-              <a:rPr lang="en-US" dirty="0" err="1" smtClean="0"/>
-              <a:t>routerLink</a:t>
-            </a:r>
-            <a:r>
-              <a:rPr lang="en-US" dirty="0" smtClean="0"/>
-              <a:t> array</a:t>
+              <a:rPr lang="en-US" dirty="0"/>
+              <a:t>Use </a:t>
+            </a:r>
+            <a:r>
+              <a:rPr lang="en-US" dirty="0" err="1"/>
+              <a:t>AtivatedRoute</a:t>
             </a:r>
             <a:endParaRPr lang="en-US" dirty="0"/>
+          </a:p>
+          <a:p>
+            <a:pPr lvl="1"/>
+            <a:r>
+              <a:rPr lang="en-US" dirty="0"/>
+              <a:t>Snapshot or subscribe</a:t>
+            </a:r>
           </a:p>
         </p:txBody>
       </p:sp>
@@ -4436,8 +4273,8 @@
         </p:blipFill>
         <p:spPr>
           <a:xfrm>
-            <a:off x="1143000" y="3048000"/>
-            <a:ext cx="6391275" cy="1562100"/>
+            <a:off x="2128837" y="2619375"/>
+            <a:ext cx="4886325" cy="2152650"/>
           </a:xfrm>
           <a:prstGeom prst="rect">
             <a:avLst/>
@@ -4447,7 +4284,7 @@
     </p:spTree>
     <p:extLst>
       <p:ext uri="{BB962C8B-B14F-4D97-AF65-F5344CB8AC3E}">
-        <p14:creationId xmlns:p14="http://schemas.microsoft.com/office/powerpoint/2010/main" val="2705265123"/>
+        <p14:creationId xmlns:p14="http://schemas.microsoft.com/office/powerpoint/2010/main" val="1437936375"/>
       </p:ext>
     </p:extLst>
   </p:cSld>
@@ -4493,10 +4330,9 @@
           <a:lstStyle/>
           <a:p>
             <a:r>
-              <a:rPr lang="en-US" dirty="0" smtClean="0"/>
-              <a:t>Receive Parameters</a:t>
-            </a:r>
-            <a:endParaRPr lang="en-US" dirty="0"/>
+              <a:rPr lang="en-US" dirty="0"/>
+              <a:t>Programmatically Route</a:t>
+            </a:r>
           </a:p>
         </p:txBody>
       </p:sp>
@@ -4516,20 +4352,15 @@
           <a:lstStyle/>
           <a:p>
             <a:r>
-              <a:rPr lang="en-US" dirty="0" smtClean="0"/>
-              <a:t>Use </a:t>
-            </a:r>
-            <a:r>
-              <a:rPr lang="en-US" dirty="0" err="1" smtClean="0"/>
-              <a:t>RouteParams</a:t>
-            </a:r>
-            <a:endParaRPr lang="en-US" dirty="0"/>
+              <a:rPr lang="en-US" dirty="0"/>
+              <a:t>Inject a Router and use navigate</a:t>
+            </a:r>
           </a:p>
         </p:txBody>
       </p:sp>
       <p:pic>
         <p:nvPicPr>
-          <p:cNvPr id="4" name="Picture 3"/>
+          <p:cNvPr id="6" name="Picture 5"/>
           <p:cNvPicPr>
             <a:picLocks noChangeAspect="1"/>
           </p:cNvPicPr>
@@ -4543,8 +4374,32 @@
         </p:blipFill>
         <p:spPr>
           <a:xfrm>
-            <a:off x="1600200" y="2971800"/>
-            <a:ext cx="5797978" cy="1147763"/>
+            <a:off x="2590800" y="4419600"/>
+            <a:ext cx="3562350" cy="819150"/>
+          </a:xfrm>
+          <a:prstGeom prst="rect">
+            <a:avLst/>
+          </a:prstGeom>
+        </p:spPr>
+      </p:pic>
+      <p:pic>
+        <p:nvPicPr>
+          <p:cNvPr id="8" name="Picture 7"/>
+          <p:cNvPicPr>
+            <a:picLocks noChangeAspect="1"/>
+          </p:cNvPicPr>
+          <p:nvPr/>
+        </p:nvPicPr>
+        <p:blipFill>
+          <a:blip r:embed="rId3"/>
+          <a:stretch>
+            <a:fillRect/>
+          </a:stretch>
+        </p:blipFill>
+        <p:spPr>
+          <a:xfrm>
+            <a:off x="1795462" y="2981325"/>
+            <a:ext cx="5153025" cy="714375"/>
           </a:xfrm>
           <a:prstGeom prst="rect">
             <a:avLst/>
@@ -4554,7 +4409,7 @@
     </p:spTree>
     <p:extLst>
       <p:ext uri="{BB962C8B-B14F-4D97-AF65-F5344CB8AC3E}">
-        <p14:creationId xmlns:p14="http://schemas.microsoft.com/office/powerpoint/2010/main" val="1437936375"/>
+        <p14:creationId xmlns:p14="http://schemas.microsoft.com/office/powerpoint/2010/main" val="1669918928"/>
       </p:ext>
     </p:extLst>
   </p:cSld>

--- a/angular2/slides/03_Routing.pptx
+++ b/angular2/slides/03_Routing.pptx
@@ -275,7 +275,7 @@
               <a:pPr>
                 <a:defRPr/>
               </a:pPr>
-              <a:t>7/26/2016</a:t>
+              <a:t>9/7/2016</a:t>
             </a:fld>
             <a:endParaRPr lang="en-US"/>
           </a:p>
